--- a/Lecture/Lecture 27/Lecture 27.pptx
+++ b/Lecture/Lecture 27/Lecture 27.pptx
@@ -312,7 +312,7 @@
               <a:pPr>
                 <a:defRPr/>
               </a:pPr>
-              <a:t>11/8/2018</a:t>
+              <a:t>11/11/2018</a:t>
             </a:fld>
             <a:endParaRPr lang="en-US" dirty="0"/>
           </a:p>
@@ -524,7 +524,7 @@
               <a:pPr>
                 <a:defRPr/>
               </a:pPr>
-              <a:t>11/8/2018</a:t>
+              <a:t>11/11/2018</a:t>
             </a:fld>
             <a:endParaRPr lang="en-US" dirty="0"/>
           </a:p>
@@ -1043,7 +1043,7 @@
               <a:pPr>
                 <a:defRPr/>
               </a:pPr>
-              <a:t>11/8/2018</a:t>
+              <a:t>11/11/2018</a:t>
             </a:fld>
             <a:endParaRPr lang="en-US" dirty="0"/>
           </a:p>
@@ -1233,7 +1233,7 @@
               <a:pPr>
                 <a:defRPr/>
               </a:pPr>
-              <a:t>11/8/2018</a:t>
+              <a:t>11/11/2018</a:t>
             </a:fld>
             <a:endParaRPr lang="en-US" dirty="0"/>
           </a:p>
@@ -1433,7 +1433,7 @@
               <a:pPr>
                 <a:defRPr/>
               </a:pPr>
-              <a:t>11/8/2018</a:t>
+              <a:t>11/11/2018</a:t>
             </a:fld>
             <a:endParaRPr lang="en-US" dirty="0"/>
           </a:p>
@@ -1701,7 +1701,7 @@
               <a:pPr>
                 <a:defRPr/>
               </a:pPr>
-              <a:t>11/8/2018</a:t>
+              <a:t>11/11/2018</a:t>
             </a:fld>
             <a:endParaRPr lang="en-US" dirty="0">
               <a:solidFill>
@@ -1915,7 +1915,7 @@
               <a:pPr>
                 <a:defRPr/>
               </a:pPr>
-              <a:t>11/8/2018</a:t>
+              <a:t>11/11/2018</a:t>
             </a:fld>
             <a:endParaRPr lang="en-US" dirty="0">
               <a:solidFill>
@@ -2206,7 +2206,7 @@
               <a:pPr>
                 <a:defRPr/>
               </a:pPr>
-              <a:t>11/8/2018</a:t>
+              <a:t>11/11/2018</a:t>
             </a:fld>
             <a:endParaRPr lang="en-US" dirty="0">
               <a:solidFill>
@@ -2537,7 +2537,7 @@
               <a:pPr>
                 <a:defRPr/>
               </a:pPr>
-              <a:t>11/8/2018</a:t>
+              <a:t>11/11/2018</a:t>
             </a:fld>
             <a:endParaRPr lang="en-US" dirty="0">
               <a:solidFill>
@@ -3002,7 +3002,7 @@
               <a:pPr>
                 <a:defRPr/>
               </a:pPr>
-              <a:t>11/8/2018</a:t>
+              <a:t>11/11/2018</a:t>
             </a:fld>
             <a:endParaRPr lang="en-US" dirty="0">
               <a:solidFill>
@@ -3165,7 +3165,7 @@
               <a:pPr>
                 <a:defRPr/>
               </a:pPr>
-              <a:t>11/8/2018</a:t>
+              <a:t>11/11/2018</a:t>
             </a:fld>
             <a:endParaRPr lang="en-US" dirty="0">
               <a:solidFill>
@@ -3306,7 +3306,7 @@
               <a:pPr>
                 <a:defRPr/>
               </a:pPr>
-              <a:t>11/8/2018</a:t>
+              <a:t>11/11/2018</a:t>
             </a:fld>
             <a:endParaRPr lang="en-US" dirty="0">
               <a:solidFill>
@@ -3627,7 +3627,7 @@
               <a:pPr>
                 <a:defRPr/>
               </a:pPr>
-              <a:t>11/8/2018</a:t>
+              <a:t>11/11/2018</a:t>
             </a:fld>
             <a:endParaRPr lang="en-US" dirty="0">
               <a:solidFill>
@@ -3835,7 +3835,7 @@
               <a:pPr>
                 <a:defRPr/>
               </a:pPr>
-              <a:t>11/8/2018</a:t>
+              <a:t>11/11/2018</a:t>
             </a:fld>
             <a:endParaRPr lang="en-US" dirty="0"/>
           </a:p>
@@ -4118,7 +4118,7 @@
               <a:pPr>
                 <a:defRPr/>
               </a:pPr>
-              <a:t>11/8/2018</a:t>
+              <a:t>11/11/2018</a:t>
             </a:fld>
             <a:endParaRPr lang="en-US" dirty="0">
               <a:solidFill>
@@ -4332,7 +4332,7 @@
               <a:pPr>
                 <a:defRPr/>
               </a:pPr>
-              <a:t>11/8/2018</a:t>
+              <a:t>11/11/2018</a:t>
             </a:fld>
             <a:endParaRPr lang="en-US" dirty="0">
               <a:solidFill>
@@ -4556,7 +4556,7 @@
               <a:pPr>
                 <a:defRPr/>
               </a:pPr>
-              <a:t>11/8/2018</a:t>
+              <a:t>11/11/2018</a:t>
             </a:fld>
             <a:endParaRPr lang="en-US" dirty="0">
               <a:solidFill>
@@ -4766,7 +4766,7 @@
               <a:pPr>
                 <a:defRPr/>
               </a:pPr>
-              <a:t>11/8/2018</a:t>
+              <a:t>11/11/2018</a:t>
             </a:fld>
             <a:endParaRPr lang="en-US" dirty="0">
               <a:solidFill>
@@ -5043,7 +5043,7 @@
               <a:pPr>
                 <a:defRPr/>
               </a:pPr>
-              <a:t>11/8/2018</a:t>
+              <a:t>11/11/2018</a:t>
             </a:fld>
             <a:endParaRPr lang="en-US" dirty="0"/>
           </a:p>
@@ -5350,7 +5350,7 @@
               <a:pPr>
                 <a:defRPr/>
               </a:pPr>
-              <a:t>11/8/2018</a:t>
+              <a:t>11/11/2018</a:t>
             </a:fld>
             <a:endParaRPr lang="en-US" dirty="0"/>
           </a:p>
@@ -5791,7 +5791,7 @@
               <a:pPr>
                 <a:defRPr/>
               </a:pPr>
-              <a:t>11/8/2018</a:t>
+              <a:t>11/11/2018</a:t>
             </a:fld>
             <a:endParaRPr lang="en-US" dirty="0"/>
           </a:p>
@@ -5930,7 +5930,7 @@
               <a:pPr>
                 <a:defRPr/>
               </a:pPr>
-              <a:t>11/8/2018</a:t>
+              <a:t>11/11/2018</a:t>
             </a:fld>
             <a:endParaRPr lang="en-US" dirty="0"/>
           </a:p>
@@ -6047,7 +6047,7 @@
               <a:pPr>
                 <a:defRPr/>
               </a:pPr>
-              <a:t>11/8/2018</a:t>
+              <a:t>11/11/2018</a:t>
             </a:fld>
             <a:endParaRPr lang="en-US" dirty="0"/>
           </a:p>
@@ -6344,7 +6344,7 @@
               <a:pPr>
                 <a:defRPr/>
               </a:pPr>
-              <a:t>11/8/2018</a:t>
+              <a:t>11/11/2018</a:t>
             </a:fld>
             <a:endParaRPr lang="en-US" dirty="0"/>
           </a:p>
@@ -6621,7 +6621,7 @@
               <a:pPr>
                 <a:defRPr/>
               </a:pPr>
-              <a:t>11/8/2018</a:t>
+              <a:t>11/11/2018</a:t>
             </a:fld>
             <a:endParaRPr lang="en-US" dirty="0"/>
           </a:p>
@@ -6878,7 +6878,7 @@
               <a:pPr>
                 <a:defRPr/>
               </a:pPr>
-              <a:t>11/8/2018</a:t>
+              <a:t>11/11/2018</a:t>
             </a:fld>
             <a:endParaRPr lang="en-US" dirty="0"/>
           </a:p>
@@ -7588,7 +7588,7 @@
               <a:pPr>
                 <a:defRPr/>
               </a:pPr>
-              <a:t>11/8/2018</a:t>
+              <a:t>11/11/2018</a:t>
             </a:fld>
             <a:endParaRPr lang="en-US" dirty="0">
               <a:solidFill>
@@ -9271,8 +9271,8 @@
           <a:noFill/>
         </p:spPr>
       </p:pic>
-      <mc:AlternateContent xmlns:mc="http://schemas.openxmlformats.org/markup-compatibility/2006">
-        <mc:Choice xmlns:a14="http://schemas.microsoft.com/office/drawing/2010/main" Requires="a14">
+      <mc:AlternateContent xmlns:mc="http://schemas.openxmlformats.org/markup-compatibility/2006" xmlns:a14="http://schemas.microsoft.com/office/drawing/2010/main">
+        <mc:Choice Requires="a14">
           <p:sp>
             <p:nvSpPr>
               <p:cNvPr id="6" name="TextBox 5">
@@ -9899,7 +9899,7 @@
             </p:txBody>
           </p:sp>
         </mc:Choice>
-        <mc:Fallback>
+        <mc:Fallback xmlns="">
           <p:sp>
             <p:nvSpPr>
               <p:cNvPr id="6" name="TextBox 5">
@@ -11428,8 +11428,8 @@
           <a:noFill/>
         </p:spPr>
       </p:pic>
-      <mc:AlternateContent xmlns:mc="http://schemas.openxmlformats.org/markup-compatibility/2006">
-        <mc:Choice xmlns:a14="http://schemas.microsoft.com/office/drawing/2010/main" Requires="a14">
+      <mc:AlternateContent xmlns:mc="http://schemas.openxmlformats.org/markup-compatibility/2006" xmlns:a14="http://schemas.microsoft.com/office/drawing/2010/main">
+        <mc:Choice Requires="a14">
           <p:sp>
             <p:nvSpPr>
               <p:cNvPr id="6" name="TextBox 5">
@@ -11887,25 +11887,7 @@
                                 </a:solidFill>
                                 <a:latin typeface="Cambria Math" panose="02040503050406030204" pitchFamily="18" charset="0"/>
                               </a:rPr>
-                              <m:t>1    </m:t>
-                            </m:r>
-                            <m:r>
-                              <a:rPr lang="en-US" sz="2000" i="1">
-                                <a:solidFill>
-                                  <a:srgbClr val="404040"/>
-                                </a:solidFill>
-                                <a:latin typeface="Cambria Math" panose="02040503050406030204" pitchFamily="18" charset="0"/>
-                              </a:rPr>
-                              <m:t>                  </m:t>
-                            </m:r>
-                            <m:r>
-                              <a:rPr lang="en-US" sz="2000" i="1">
-                                <a:solidFill>
-                                  <a:srgbClr val="404040"/>
-                                </a:solidFill>
-                                <a:latin typeface="Cambria Math" panose="02040503050406030204" pitchFamily="18" charset="0"/>
-                              </a:rPr>
-                              <m:t> </m:t>
+                              <m:t>1                       </m:t>
                             </m:r>
                             <m:r>
                               <a:rPr lang="en-US" sz="2000" i="1">
@@ -12219,7 +12201,7 @@
             </p:txBody>
           </p:sp>
         </mc:Choice>
-        <mc:Fallback>
+        <mc:Fallback xmlns="">
           <p:sp>
             <p:nvSpPr>
               <p:cNvPr id="6" name="TextBox 5">
